--- a/Report/1108_SPL1_Final.pptx
+++ b/Report/1108_SPL1_Final.pptx
@@ -13404,6 +13404,50 @@
           </a:p>
         </p:txBody>
       </p:sp>
+      <p:sp>
+        <p:nvSpPr>
+          <p:cNvPr id="2" name="TextBox 1">
+            <a:extLst>
+              <a:ext uri="{FF2B5EF4-FFF2-40B4-BE49-F238E27FC236}">
+                <a16:creationId xmlns:a16="http://schemas.microsoft.com/office/drawing/2014/main" id="{0F8EAFC5-37E1-44DE-810F-8AA7E7E14144}"/>
+              </a:ext>
+            </a:extLst>
+          </p:cNvPr>
+          <p:cNvSpPr txBox="1"/>
+          <p:nvPr/>
+        </p:nvSpPr>
+        <p:spPr>
+          <a:xfrm>
+            <a:off x="118533" y="93133"/>
+            <a:ext cx="905934" cy="215444"/>
+          </a:xfrm>
+          <a:prstGeom prst="rect">
+            <a:avLst/>
+          </a:prstGeom>
+          <a:noFill/>
+        </p:spPr>
+        <p:txBody>
+          <a:bodyPr wrap="square" rtlCol="0">
+            <a:spAutoFit/>
+          </a:bodyPr>
+          <a:lstStyle/>
+          <a:p>
+            <a:r>
+              <a:rPr lang="en-US" sz="800" dirty="0">
+                <a:solidFill>
+                  <a:schemeClr val="bg1"/>
+                </a:solidFill>
+              </a:rPr>
+              <a:t>Page | 1</a:t>
+            </a:r>
+            <a:endParaRPr lang="en-GB" sz="800" dirty="0">
+              <a:solidFill>
+                <a:schemeClr val="bg1"/>
+              </a:solidFill>
+            </a:endParaRPr>
+          </a:p>
+        </p:txBody>
+      </p:sp>
     </p:spTree>
   </p:cSld>
   <p:clrMapOvr>
@@ -13837,6 +13881,50 @@
             </a:r>
             <a:endParaRPr lang="en-GB" sz="2400" b="1" dirty="0">
               <a:latin typeface="Montserrat" panose="020B0604020202020204" charset="0"/>
+            </a:endParaRPr>
+          </a:p>
+        </p:txBody>
+      </p:sp>
+      <p:sp>
+        <p:nvSpPr>
+          <p:cNvPr id="11" name="TextBox 10">
+            <a:extLst>
+              <a:ext uri="{FF2B5EF4-FFF2-40B4-BE49-F238E27FC236}">
+                <a16:creationId xmlns:a16="http://schemas.microsoft.com/office/drawing/2014/main" id="{D4400E97-7007-438A-A564-54B70822CA4E}"/>
+              </a:ext>
+            </a:extLst>
+          </p:cNvPr>
+          <p:cNvSpPr txBox="1"/>
+          <p:nvPr/>
+        </p:nvSpPr>
+        <p:spPr>
+          <a:xfrm>
+            <a:off x="140942" y="253858"/>
+            <a:ext cx="905934" cy="215444"/>
+          </a:xfrm>
+          <a:prstGeom prst="rect">
+            <a:avLst/>
+          </a:prstGeom>
+          <a:noFill/>
+        </p:spPr>
+        <p:txBody>
+          <a:bodyPr wrap="square" rtlCol="0">
+            <a:spAutoFit/>
+          </a:bodyPr>
+          <a:lstStyle/>
+          <a:p>
+            <a:r>
+              <a:rPr lang="en-US" sz="800" dirty="0">
+                <a:solidFill>
+                  <a:schemeClr val="bg1"/>
+                </a:solidFill>
+              </a:rPr>
+              <a:t>Page | 2</a:t>
+            </a:r>
+            <a:endParaRPr lang="en-GB" sz="800" dirty="0">
+              <a:solidFill>
+                <a:schemeClr val="bg1"/>
+              </a:solidFill>
             </a:endParaRPr>
           </a:p>
         </p:txBody>
@@ -14541,6 +14629,50 @@
           </a:p>
         </p:txBody>
       </p:sp>
+      <p:sp>
+        <p:nvSpPr>
+          <p:cNvPr id="11" name="TextBox 10">
+            <a:extLst>
+              <a:ext uri="{FF2B5EF4-FFF2-40B4-BE49-F238E27FC236}">
+                <a16:creationId xmlns:a16="http://schemas.microsoft.com/office/drawing/2014/main" id="{443006F1-DE58-49A9-BB46-4E5570128401}"/>
+              </a:ext>
+            </a:extLst>
+          </p:cNvPr>
+          <p:cNvSpPr txBox="1"/>
+          <p:nvPr/>
+        </p:nvSpPr>
+        <p:spPr>
+          <a:xfrm>
+            <a:off x="140942" y="253858"/>
+            <a:ext cx="905934" cy="215444"/>
+          </a:xfrm>
+          <a:prstGeom prst="rect">
+            <a:avLst/>
+          </a:prstGeom>
+          <a:noFill/>
+        </p:spPr>
+        <p:txBody>
+          <a:bodyPr wrap="square" rtlCol="0">
+            <a:spAutoFit/>
+          </a:bodyPr>
+          <a:lstStyle/>
+          <a:p>
+            <a:r>
+              <a:rPr lang="en-US" sz="800" dirty="0">
+                <a:solidFill>
+                  <a:schemeClr val="bg1"/>
+                </a:solidFill>
+              </a:rPr>
+              <a:t>Page | 3</a:t>
+            </a:r>
+            <a:endParaRPr lang="en-GB" sz="800" dirty="0">
+              <a:solidFill>
+                <a:schemeClr val="bg1"/>
+              </a:solidFill>
+            </a:endParaRPr>
+          </a:p>
+        </p:txBody>
+      </p:sp>
     </p:spTree>
     <p:extLst>
       <p:ext uri="{BB962C8B-B14F-4D97-AF65-F5344CB8AC3E}">
@@ -14919,6 +15051,50 @@
           </a:graphicData>
         </a:graphic>
       </p:graphicFrame>
+      <p:sp>
+        <p:nvSpPr>
+          <p:cNvPr id="11" name="TextBox 10">
+            <a:extLst>
+              <a:ext uri="{FF2B5EF4-FFF2-40B4-BE49-F238E27FC236}">
+                <a16:creationId xmlns:a16="http://schemas.microsoft.com/office/drawing/2014/main" id="{029780A6-CCB1-4732-ADE0-73F1A2CA5E70}"/>
+              </a:ext>
+            </a:extLst>
+          </p:cNvPr>
+          <p:cNvSpPr txBox="1"/>
+          <p:nvPr/>
+        </p:nvSpPr>
+        <p:spPr>
+          <a:xfrm>
+            <a:off x="140942" y="253858"/>
+            <a:ext cx="905934" cy="215444"/>
+          </a:xfrm>
+          <a:prstGeom prst="rect">
+            <a:avLst/>
+          </a:prstGeom>
+          <a:noFill/>
+        </p:spPr>
+        <p:txBody>
+          <a:bodyPr wrap="square" rtlCol="0">
+            <a:spAutoFit/>
+          </a:bodyPr>
+          <a:lstStyle/>
+          <a:p>
+            <a:r>
+              <a:rPr lang="en-US" sz="800" dirty="0">
+                <a:solidFill>
+                  <a:schemeClr val="bg1"/>
+                </a:solidFill>
+              </a:rPr>
+              <a:t>Page | 4</a:t>
+            </a:r>
+            <a:endParaRPr lang="en-GB" sz="800" dirty="0">
+              <a:solidFill>
+                <a:schemeClr val="bg1"/>
+              </a:solidFill>
+            </a:endParaRPr>
+          </a:p>
+        </p:txBody>
+      </p:sp>
     </p:spTree>
   </p:cSld>
   <p:clrMapOvr>
@@ -15552,6 +15728,50 @@
           </a:prstGeom>
         </p:spPr>
       </p:pic>
+      <p:sp>
+        <p:nvSpPr>
+          <p:cNvPr id="6" name="TextBox 5">
+            <a:extLst>
+              <a:ext uri="{FF2B5EF4-FFF2-40B4-BE49-F238E27FC236}">
+                <a16:creationId xmlns:a16="http://schemas.microsoft.com/office/drawing/2014/main" id="{055D5BC0-4AF4-426F-A47F-3A1630CF989F}"/>
+              </a:ext>
+            </a:extLst>
+          </p:cNvPr>
+          <p:cNvSpPr txBox="1"/>
+          <p:nvPr/>
+        </p:nvSpPr>
+        <p:spPr>
+          <a:xfrm>
+            <a:off x="140942" y="253858"/>
+            <a:ext cx="905934" cy="215444"/>
+          </a:xfrm>
+          <a:prstGeom prst="rect">
+            <a:avLst/>
+          </a:prstGeom>
+          <a:noFill/>
+        </p:spPr>
+        <p:txBody>
+          <a:bodyPr wrap="square" rtlCol="0">
+            <a:spAutoFit/>
+          </a:bodyPr>
+          <a:lstStyle/>
+          <a:p>
+            <a:r>
+              <a:rPr lang="en-US" sz="800" dirty="0">
+                <a:solidFill>
+                  <a:schemeClr val="bg1"/>
+                </a:solidFill>
+              </a:rPr>
+              <a:t>Page | 5</a:t>
+            </a:r>
+            <a:endParaRPr lang="en-GB" sz="800" dirty="0">
+              <a:solidFill>
+                <a:schemeClr val="bg1"/>
+              </a:solidFill>
+            </a:endParaRPr>
+          </a:p>
+        </p:txBody>
+      </p:sp>
     </p:spTree>
     <p:extLst>
       <p:ext uri="{BB962C8B-B14F-4D97-AF65-F5344CB8AC3E}">
@@ -15830,6 +16050,50 @@
           </a:p>
         </p:txBody>
       </p:sp>
+      <p:sp>
+        <p:nvSpPr>
+          <p:cNvPr id="7" name="TextBox 6">
+            <a:extLst>
+              <a:ext uri="{FF2B5EF4-FFF2-40B4-BE49-F238E27FC236}">
+                <a16:creationId xmlns:a16="http://schemas.microsoft.com/office/drawing/2014/main" id="{1EB40A3F-684A-4D79-A0AF-87A43BE77696}"/>
+              </a:ext>
+            </a:extLst>
+          </p:cNvPr>
+          <p:cNvSpPr txBox="1"/>
+          <p:nvPr/>
+        </p:nvSpPr>
+        <p:spPr>
+          <a:xfrm>
+            <a:off x="140942" y="253858"/>
+            <a:ext cx="905934" cy="215444"/>
+          </a:xfrm>
+          <a:prstGeom prst="rect">
+            <a:avLst/>
+          </a:prstGeom>
+          <a:noFill/>
+        </p:spPr>
+        <p:txBody>
+          <a:bodyPr wrap="square" rtlCol="0">
+            <a:spAutoFit/>
+          </a:bodyPr>
+          <a:lstStyle/>
+          <a:p>
+            <a:r>
+              <a:rPr lang="en-US" sz="800" dirty="0">
+                <a:solidFill>
+                  <a:schemeClr val="bg1"/>
+                </a:solidFill>
+              </a:rPr>
+              <a:t>Page | 6</a:t>
+            </a:r>
+            <a:endParaRPr lang="en-GB" sz="800" dirty="0">
+              <a:solidFill>
+                <a:schemeClr val="bg1"/>
+              </a:solidFill>
+            </a:endParaRPr>
+          </a:p>
+        </p:txBody>
+      </p:sp>
     </p:spTree>
     <p:extLst>
       <p:ext uri="{BB962C8B-B14F-4D97-AF65-F5344CB8AC3E}">
@@ -15905,6 +16169,50 @@
               <a:t>Thank You!</a:t>
             </a:r>
             <a:endParaRPr sz="4400" dirty="0"/>
+          </a:p>
+        </p:txBody>
+      </p:sp>
+      <p:sp>
+        <p:nvSpPr>
+          <p:cNvPr id="3" name="TextBox 2">
+            <a:extLst>
+              <a:ext uri="{FF2B5EF4-FFF2-40B4-BE49-F238E27FC236}">
+                <a16:creationId xmlns:a16="http://schemas.microsoft.com/office/drawing/2014/main" id="{E2D9DEA2-35C0-42D5-B9F5-597E64F7BE24}"/>
+              </a:ext>
+            </a:extLst>
+          </p:cNvPr>
+          <p:cNvSpPr txBox="1"/>
+          <p:nvPr/>
+        </p:nvSpPr>
+        <p:spPr>
+          <a:xfrm>
+            <a:off x="140942" y="253858"/>
+            <a:ext cx="905934" cy="215444"/>
+          </a:xfrm>
+          <a:prstGeom prst="rect">
+            <a:avLst/>
+          </a:prstGeom>
+          <a:noFill/>
+        </p:spPr>
+        <p:txBody>
+          <a:bodyPr wrap="square" rtlCol="0">
+            <a:spAutoFit/>
+          </a:bodyPr>
+          <a:lstStyle/>
+          <a:p>
+            <a:r>
+              <a:rPr lang="en-US" sz="800" dirty="0">
+                <a:solidFill>
+                  <a:schemeClr val="bg1"/>
+                </a:solidFill>
+              </a:rPr>
+              <a:t>Page | 7</a:t>
+            </a:r>
+            <a:endParaRPr lang="en-GB" sz="800" dirty="0">
+              <a:solidFill>
+                <a:schemeClr val="bg1"/>
+              </a:solidFill>
+            </a:endParaRPr>
           </a:p>
         </p:txBody>
       </p:sp>
